--- a/presentation/OID2024/OSINT - Beware your data is out there.pptx
+++ b/presentation/OID2024/OSINT - Beware your data is out there.pptx
@@ -219,7 +219,7 @@
           <a:p>
             <a:fld id="{36592EC6-5A83-49E7-90B3-C3A79E6C41BE}" type="datetimeFigureOut">
               <a:rPr lang="pt-PT" smtClean="0"/>
-              <a:t>16/06/2024</a:t>
+              <a:t>19/06/2024</a:t>
             </a:fld>
             <a:endParaRPr lang="pt-PT"/>
           </a:p>
@@ -6109,7 +6109,7 @@
         </p:nvSpPr>
         <p:spPr>
           <a:xfrm>
-            <a:off x="3866455" y="2909996"/>
+            <a:off x="3765871" y="2866943"/>
             <a:ext cx="348342" cy="174172"/>
           </a:xfrm>
           <a:prstGeom prst="rightArrow">
@@ -6201,7 +6201,7 @@
         </p:nvSpPr>
         <p:spPr>
           <a:xfrm>
-            <a:off x="3518113" y="4354454"/>
+            <a:off x="3417529" y="4253870"/>
             <a:ext cx="348342" cy="174172"/>
           </a:xfrm>
           <a:prstGeom prst="rightArrow">
@@ -8883,15 +8883,7 @@
           <a:p>
             <a:r>
               <a:rPr lang="en-US" dirty="0"/>
-              <a:t>Google “Improved Search” + </a:t>
-            </a:r>
-            <a:r>
-              <a:rPr lang="en-US" dirty="0" err="1"/>
-              <a:t>empresa</a:t>
-            </a:r>
-            <a:r>
-              <a:rPr lang="en-US" dirty="0"/>
-              <a:t> (</a:t>
+              <a:t>Google “Improved Search” + Company (</a:t>
             </a:r>
             <a:r>
               <a:rPr lang="en-US" dirty="0">
@@ -9895,268 +9887,12 @@
           <a:chExt cx="0" cy="0"/>
         </a:xfrm>
       </p:grpSpPr>
-      <p:sp>
-        <p:nvSpPr>
-          <p:cNvPr id="2" name="Title 1">
+      <p:pic>
+        <p:nvPicPr>
+          <p:cNvPr id="9" name="Picture 8">
             <a:extLst>
               <a:ext uri="{FF2B5EF4-FFF2-40B4-BE49-F238E27FC236}">
-                <a16:creationId xmlns:a16="http://schemas.microsoft.com/office/drawing/2014/main" id="{BEB374B9-E086-3B39-DED7-C2A825384BAE}"/>
-              </a:ext>
-            </a:extLst>
-          </p:cNvPr>
-          <p:cNvSpPr>
-            <a:spLocks noGrp="1"/>
-          </p:cNvSpPr>
-          <p:nvPr>
-            <p:ph type="title"/>
-          </p:nvPr>
-        </p:nvSpPr>
-        <p:spPr/>
-        <p:txBody>
-          <a:bodyPr/>
-          <a:lstStyle/>
-          <a:p>
-            <a:r>
-              <a:rPr lang="pt-PT" dirty="0"/>
-              <a:t>Who are YOU?</a:t>
-            </a:r>
-            <a:br>
-              <a:rPr lang="pt-PT" dirty="0"/>
-            </a:br>
-            <a:r>
-              <a:rPr lang="pt-PT" dirty="0"/>
-              <a:t>	</a:t>
-            </a:r>
-            <a:r>
-              <a:rPr lang="en-US" dirty="0"/>
-              <a:t>Search, and then search again</a:t>
-            </a:r>
-            <a:endParaRPr lang="pt-PT" dirty="0"/>
-          </a:p>
-        </p:txBody>
-      </p:sp>
-      <p:sp>
-        <p:nvSpPr>
-          <p:cNvPr id="3" name="Content Placeholder 2">
-            <a:extLst>
-              <a:ext uri="{FF2B5EF4-FFF2-40B4-BE49-F238E27FC236}">
-                <a16:creationId xmlns:a16="http://schemas.microsoft.com/office/drawing/2014/main" id="{530C76AC-D22A-5083-D4BD-4E50C53CE73A}"/>
-              </a:ext>
-            </a:extLst>
-          </p:cNvPr>
-          <p:cNvSpPr>
-            <a:spLocks noGrp="1"/>
-          </p:cNvSpPr>
-          <p:nvPr>
-            <p:ph idx="1"/>
-          </p:nvPr>
-        </p:nvSpPr>
-        <p:spPr>
-          <a:xfrm>
-            <a:off x="666750" y="1718631"/>
-            <a:ext cx="10173848" cy="4682169"/>
-          </a:xfrm>
-        </p:spPr>
-        <p:txBody>
-          <a:bodyPr>
-            <a:normAutofit lnSpcReduction="10000"/>
-          </a:bodyPr>
-          <a:lstStyle/>
-          <a:p>
-            <a:r>
-              <a:rPr lang="en-US" dirty="0"/>
-              <a:t>Search your name and analyze the results</a:t>
-            </a:r>
-            <a:endParaRPr lang="pt-PT" dirty="0"/>
-          </a:p>
-          <a:p>
-            <a:pPr lvl="1"/>
-            <a:r>
-              <a:rPr lang="en-US" dirty="0"/>
-              <a:t>As you saw the search can be improved</a:t>
-            </a:r>
-            <a:endParaRPr lang="pt-PT" dirty="0"/>
-          </a:p>
-          <a:p>
-            <a:endParaRPr lang="pt-PT" dirty="0"/>
-          </a:p>
-          <a:p>
-            <a:endParaRPr lang="pt-PT" dirty="0"/>
-          </a:p>
-          <a:p>
-            <a:endParaRPr lang="pt-PT" dirty="0"/>
-          </a:p>
-          <a:p>
-            <a:endParaRPr lang="pt-PT" dirty="0"/>
-          </a:p>
-          <a:p>
-            <a:endParaRPr lang="pt-PT" dirty="0"/>
-          </a:p>
-          <a:p>
-            <a:endParaRPr lang="pt-PT" dirty="0"/>
-          </a:p>
-          <a:p>
-            <a:endParaRPr lang="pt-PT" dirty="0"/>
-          </a:p>
-          <a:p>
-            <a:endParaRPr lang="pt-PT" dirty="0"/>
-          </a:p>
-          <a:p>
-            <a:endParaRPr lang="pt-PT" dirty="0"/>
-          </a:p>
-          <a:p>
-            <a:r>
-              <a:rPr lang="en-US" dirty="0"/>
-              <a:t>That is typically information to </a:t>
-            </a:r>
-            <a:r>
-              <a:rPr lang="en-US" b="1" dirty="0"/>
-              <a:t>verify your identity</a:t>
-            </a:r>
-            <a:r>
-              <a:rPr lang="en-US" dirty="0"/>
-              <a:t> over a phone call.</a:t>
-            </a:r>
-            <a:endParaRPr lang="pt-PT" dirty="0"/>
-          </a:p>
-        </p:txBody>
-      </p:sp>
-      <p:sp>
-        <p:nvSpPr>
-          <p:cNvPr id="5" name="Slide Number Placeholder 3">
-            <a:extLst>
-              <a:ext uri="{FF2B5EF4-FFF2-40B4-BE49-F238E27FC236}">
-                <a16:creationId xmlns:a16="http://schemas.microsoft.com/office/drawing/2014/main" id="{8973F00C-1C04-F0C3-B95E-4E7A1C44AA90}"/>
-              </a:ext>
-            </a:extLst>
-          </p:cNvPr>
-          <p:cNvSpPr txBox="1">
-            <a:spLocks/>
-          </p:cNvSpPr>
-          <p:nvPr/>
-        </p:nvSpPr>
-        <p:spPr>
-          <a:xfrm>
-            <a:off x="697876" y="6310276"/>
-            <a:ext cx="683339" cy="365125"/>
-          </a:xfrm>
-          <a:prstGeom prst="rect">
-            <a:avLst/>
-          </a:prstGeom>
-        </p:spPr>
-        <p:txBody>
-          <a:bodyPr vert="horz" lIns="91440" tIns="45720" rIns="91440" bIns="45720" rtlCol="0" anchor="ctr"/>
-          <a:lstStyle>
-            <a:defPPr>
-              <a:defRPr lang="en-US"/>
-            </a:defPPr>
-            <a:lvl1pPr marL="0" algn="r" defTabSz="457200" rtl="0" eaLnBrk="1" latinLnBrk="0" hangingPunct="1">
-              <a:defRPr sz="900" kern="1200">
-                <a:solidFill>
-                  <a:schemeClr val="accent1"/>
-                </a:solidFill>
-                <a:latin typeface="+mn-lt"/>
-                <a:ea typeface="+mn-ea"/>
-                <a:cs typeface="+mn-cs"/>
-              </a:defRPr>
-            </a:lvl1pPr>
-            <a:lvl2pPr marL="457200" algn="l" defTabSz="457200" rtl="0" eaLnBrk="1" latinLnBrk="0" hangingPunct="1">
-              <a:defRPr sz="1800" kern="1200">
-                <a:solidFill>
-                  <a:schemeClr val="tx1"/>
-                </a:solidFill>
-                <a:latin typeface="+mn-lt"/>
-                <a:ea typeface="+mn-ea"/>
-                <a:cs typeface="+mn-cs"/>
-              </a:defRPr>
-            </a:lvl2pPr>
-            <a:lvl3pPr marL="914400" algn="l" defTabSz="457200" rtl="0" eaLnBrk="1" latinLnBrk="0" hangingPunct="1">
-              <a:defRPr sz="1800" kern="1200">
-                <a:solidFill>
-                  <a:schemeClr val="tx1"/>
-                </a:solidFill>
-                <a:latin typeface="+mn-lt"/>
-                <a:ea typeface="+mn-ea"/>
-                <a:cs typeface="+mn-cs"/>
-              </a:defRPr>
-            </a:lvl3pPr>
-            <a:lvl4pPr marL="1371600" algn="l" defTabSz="457200" rtl="0" eaLnBrk="1" latinLnBrk="0" hangingPunct="1">
-              <a:defRPr sz="1800" kern="1200">
-                <a:solidFill>
-                  <a:schemeClr val="tx1"/>
-                </a:solidFill>
-                <a:latin typeface="+mn-lt"/>
-                <a:ea typeface="+mn-ea"/>
-                <a:cs typeface="+mn-cs"/>
-              </a:defRPr>
-            </a:lvl4pPr>
-            <a:lvl5pPr marL="1828800" algn="l" defTabSz="457200" rtl="0" eaLnBrk="1" latinLnBrk="0" hangingPunct="1">
-              <a:defRPr sz="1800" kern="1200">
-                <a:solidFill>
-                  <a:schemeClr val="tx1"/>
-                </a:solidFill>
-                <a:latin typeface="+mn-lt"/>
-                <a:ea typeface="+mn-ea"/>
-                <a:cs typeface="+mn-cs"/>
-              </a:defRPr>
-            </a:lvl5pPr>
-            <a:lvl6pPr marL="2286000" algn="l" defTabSz="457200" rtl="0" eaLnBrk="1" latinLnBrk="0" hangingPunct="1">
-              <a:defRPr sz="1800" kern="1200">
-                <a:solidFill>
-                  <a:schemeClr val="tx1"/>
-                </a:solidFill>
-                <a:latin typeface="+mn-lt"/>
-                <a:ea typeface="+mn-ea"/>
-                <a:cs typeface="+mn-cs"/>
-              </a:defRPr>
-            </a:lvl6pPr>
-            <a:lvl7pPr marL="2743200" algn="l" defTabSz="457200" rtl="0" eaLnBrk="1" latinLnBrk="0" hangingPunct="1">
-              <a:defRPr sz="1800" kern="1200">
-                <a:solidFill>
-                  <a:schemeClr val="tx1"/>
-                </a:solidFill>
-                <a:latin typeface="+mn-lt"/>
-                <a:ea typeface="+mn-ea"/>
-                <a:cs typeface="+mn-cs"/>
-              </a:defRPr>
-            </a:lvl7pPr>
-            <a:lvl8pPr marL="3200400" algn="l" defTabSz="457200" rtl="0" eaLnBrk="1" latinLnBrk="0" hangingPunct="1">
-              <a:defRPr sz="1800" kern="1200">
-                <a:solidFill>
-                  <a:schemeClr val="tx1"/>
-                </a:solidFill>
-                <a:latin typeface="+mn-lt"/>
-                <a:ea typeface="+mn-ea"/>
-                <a:cs typeface="+mn-cs"/>
-              </a:defRPr>
-            </a:lvl8pPr>
-            <a:lvl9pPr marL="3657600" algn="l" defTabSz="457200" rtl="0" eaLnBrk="1" latinLnBrk="0" hangingPunct="1">
-              <a:defRPr sz="1800" kern="1200">
-                <a:solidFill>
-                  <a:schemeClr val="tx1"/>
-                </a:solidFill>
-                <a:latin typeface="+mn-lt"/>
-                <a:ea typeface="+mn-ea"/>
-                <a:cs typeface="+mn-cs"/>
-              </a:defRPr>
-            </a:lvl9pPr>
-          </a:lstStyle>
-          <a:p>
-            <a:fld id="{FFA66215-EA79-476C-9133-848521ABED31}" type="slidenum">
-              <a:rPr lang="pt-PT" smtClean="0"/>
-              <a:pPr/>
-              <a:t>19</a:t>
-            </a:fld>
-            <a:endParaRPr lang="pt-PT" dirty="0"/>
-          </a:p>
-        </p:txBody>
-      </p:sp>
-      <p:pic>
-        <p:nvPicPr>
-          <p:cNvPr id="6" name="Picture 5">
-            <a:extLst>
-              <a:ext uri="{FF2B5EF4-FFF2-40B4-BE49-F238E27FC236}">
-                <a16:creationId xmlns:a16="http://schemas.microsoft.com/office/drawing/2014/main" id="{A174F42C-200A-2738-14A9-46C7185064EA}"/>
+                <a16:creationId xmlns:a16="http://schemas.microsoft.com/office/drawing/2014/main" id="{06565E81-54E3-6BE1-1EFF-DCB5711C4B71}"/>
               </a:ext>
             </a:extLst>
           </p:cNvPr>
@@ -10173,14 +9909,270 @@
         </p:blipFill>
         <p:spPr>
           <a:xfrm>
-            <a:off x="2157984" y="2653590"/>
-            <a:ext cx="4632960" cy="3061185"/>
+            <a:off x="2157985" y="2543863"/>
+            <a:ext cx="4544567" cy="3171952"/>
           </a:xfrm>
           <a:prstGeom prst="rect">
             <a:avLst/>
           </a:prstGeom>
         </p:spPr>
       </p:pic>
+      <p:sp>
+        <p:nvSpPr>
+          <p:cNvPr id="2" name="Title 1">
+            <a:extLst>
+              <a:ext uri="{FF2B5EF4-FFF2-40B4-BE49-F238E27FC236}">
+                <a16:creationId xmlns:a16="http://schemas.microsoft.com/office/drawing/2014/main" id="{BEB374B9-E086-3B39-DED7-C2A825384BAE}"/>
+              </a:ext>
+            </a:extLst>
+          </p:cNvPr>
+          <p:cNvSpPr>
+            <a:spLocks noGrp="1"/>
+          </p:cNvSpPr>
+          <p:nvPr>
+            <p:ph type="title"/>
+          </p:nvPr>
+        </p:nvSpPr>
+        <p:spPr/>
+        <p:txBody>
+          <a:bodyPr/>
+          <a:lstStyle/>
+          <a:p>
+            <a:r>
+              <a:rPr lang="pt-PT" dirty="0"/>
+              <a:t>Who are YOU?</a:t>
+            </a:r>
+            <a:br>
+              <a:rPr lang="pt-PT" dirty="0"/>
+            </a:br>
+            <a:r>
+              <a:rPr lang="pt-PT" dirty="0"/>
+              <a:t>	</a:t>
+            </a:r>
+            <a:r>
+              <a:rPr lang="en-US" dirty="0"/>
+              <a:t>Search, and then search again</a:t>
+            </a:r>
+            <a:endParaRPr lang="pt-PT" dirty="0"/>
+          </a:p>
+        </p:txBody>
+      </p:sp>
+      <p:sp>
+        <p:nvSpPr>
+          <p:cNvPr id="3" name="Content Placeholder 2">
+            <a:extLst>
+              <a:ext uri="{FF2B5EF4-FFF2-40B4-BE49-F238E27FC236}">
+                <a16:creationId xmlns:a16="http://schemas.microsoft.com/office/drawing/2014/main" id="{530C76AC-D22A-5083-D4BD-4E50C53CE73A}"/>
+              </a:ext>
+            </a:extLst>
+          </p:cNvPr>
+          <p:cNvSpPr>
+            <a:spLocks noGrp="1"/>
+          </p:cNvSpPr>
+          <p:nvPr>
+            <p:ph idx="1"/>
+          </p:nvPr>
+        </p:nvSpPr>
+        <p:spPr>
+          <a:xfrm>
+            <a:off x="666750" y="1718631"/>
+            <a:ext cx="10173848" cy="4682169"/>
+          </a:xfrm>
+        </p:spPr>
+        <p:txBody>
+          <a:bodyPr>
+            <a:normAutofit lnSpcReduction="10000"/>
+          </a:bodyPr>
+          <a:lstStyle/>
+          <a:p>
+            <a:r>
+              <a:rPr lang="en-US" dirty="0"/>
+              <a:t>Search your name and analyze the results</a:t>
+            </a:r>
+            <a:endParaRPr lang="pt-PT" dirty="0"/>
+          </a:p>
+          <a:p>
+            <a:pPr lvl="1"/>
+            <a:r>
+              <a:rPr lang="en-US" dirty="0"/>
+              <a:t>As you saw the search can be improved</a:t>
+            </a:r>
+            <a:endParaRPr lang="pt-PT" dirty="0"/>
+          </a:p>
+          <a:p>
+            <a:endParaRPr lang="pt-PT" dirty="0"/>
+          </a:p>
+          <a:p>
+            <a:endParaRPr lang="pt-PT" dirty="0"/>
+          </a:p>
+          <a:p>
+            <a:endParaRPr lang="pt-PT" dirty="0"/>
+          </a:p>
+          <a:p>
+            <a:endParaRPr lang="pt-PT" dirty="0"/>
+          </a:p>
+          <a:p>
+            <a:endParaRPr lang="pt-PT" dirty="0"/>
+          </a:p>
+          <a:p>
+            <a:endParaRPr lang="pt-PT" dirty="0"/>
+          </a:p>
+          <a:p>
+            <a:endParaRPr lang="pt-PT" dirty="0"/>
+          </a:p>
+          <a:p>
+            <a:endParaRPr lang="pt-PT" dirty="0"/>
+          </a:p>
+          <a:p>
+            <a:endParaRPr lang="pt-PT" dirty="0"/>
+          </a:p>
+          <a:p>
+            <a:r>
+              <a:rPr lang="en-US" dirty="0"/>
+              <a:t>That is typically information to </a:t>
+            </a:r>
+            <a:r>
+              <a:rPr lang="en-US" b="1" dirty="0"/>
+              <a:t>verify your identity</a:t>
+            </a:r>
+            <a:r>
+              <a:rPr lang="en-US" dirty="0"/>
+              <a:t> over a phone call.</a:t>
+            </a:r>
+            <a:endParaRPr lang="pt-PT" dirty="0"/>
+          </a:p>
+        </p:txBody>
+      </p:sp>
+      <p:sp>
+        <p:nvSpPr>
+          <p:cNvPr id="5" name="Slide Number Placeholder 3">
+            <a:extLst>
+              <a:ext uri="{FF2B5EF4-FFF2-40B4-BE49-F238E27FC236}">
+                <a16:creationId xmlns:a16="http://schemas.microsoft.com/office/drawing/2014/main" id="{8973F00C-1C04-F0C3-B95E-4E7A1C44AA90}"/>
+              </a:ext>
+            </a:extLst>
+          </p:cNvPr>
+          <p:cNvSpPr txBox="1">
+            <a:spLocks/>
+          </p:cNvSpPr>
+          <p:nvPr/>
+        </p:nvSpPr>
+        <p:spPr>
+          <a:xfrm>
+            <a:off x="697876" y="6310276"/>
+            <a:ext cx="683339" cy="365125"/>
+          </a:xfrm>
+          <a:prstGeom prst="rect">
+            <a:avLst/>
+          </a:prstGeom>
+        </p:spPr>
+        <p:txBody>
+          <a:bodyPr vert="horz" lIns="91440" tIns="45720" rIns="91440" bIns="45720" rtlCol="0" anchor="ctr"/>
+          <a:lstStyle>
+            <a:defPPr>
+              <a:defRPr lang="en-US"/>
+            </a:defPPr>
+            <a:lvl1pPr marL="0" algn="r" defTabSz="457200" rtl="0" eaLnBrk="1" latinLnBrk="0" hangingPunct="1">
+              <a:defRPr sz="900" kern="1200">
+                <a:solidFill>
+                  <a:schemeClr val="accent1"/>
+                </a:solidFill>
+                <a:latin typeface="+mn-lt"/>
+                <a:ea typeface="+mn-ea"/>
+                <a:cs typeface="+mn-cs"/>
+              </a:defRPr>
+            </a:lvl1pPr>
+            <a:lvl2pPr marL="457200" algn="l" defTabSz="457200" rtl="0" eaLnBrk="1" latinLnBrk="0" hangingPunct="1">
+              <a:defRPr sz="1800" kern="1200">
+                <a:solidFill>
+                  <a:schemeClr val="tx1"/>
+                </a:solidFill>
+                <a:latin typeface="+mn-lt"/>
+                <a:ea typeface="+mn-ea"/>
+                <a:cs typeface="+mn-cs"/>
+              </a:defRPr>
+            </a:lvl2pPr>
+            <a:lvl3pPr marL="914400" algn="l" defTabSz="457200" rtl="0" eaLnBrk="1" latinLnBrk="0" hangingPunct="1">
+              <a:defRPr sz="1800" kern="1200">
+                <a:solidFill>
+                  <a:schemeClr val="tx1"/>
+                </a:solidFill>
+                <a:latin typeface="+mn-lt"/>
+                <a:ea typeface="+mn-ea"/>
+                <a:cs typeface="+mn-cs"/>
+              </a:defRPr>
+            </a:lvl3pPr>
+            <a:lvl4pPr marL="1371600" algn="l" defTabSz="457200" rtl="0" eaLnBrk="1" latinLnBrk="0" hangingPunct="1">
+              <a:defRPr sz="1800" kern="1200">
+                <a:solidFill>
+                  <a:schemeClr val="tx1"/>
+                </a:solidFill>
+                <a:latin typeface="+mn-lt"/>
+                <a:ea typeface="+mn-ea"/>
+                <a:cs typeface="+mn-cs"/>
+              </a:defRPr>
+            </a:lvl4pPr>
+            <a:lvl5pPr marL="1828800" algn="l" defTabSz="457200" rtl="0" eaLnBrk="1" latinLnBrk="0" hangingPunct="1">
+              <a:defRPr sz="1800" kern="1200">
+                <a:solidFill>
+                  <a:schemeClr val="tx1"/>
+                </a:solidFill>
+                <a:latin typeface="+mn-lt"/>
+                <a:ea typeface="+mn-ea"/>
+                <a:cs typeface="+mn-cs"/>
+              </a:defRPr>
+            </a:lvl5pPr>
+            <a:lvl6pPr marL="2286000" algn="l" defTabSz="457200" rtl="0" eaLnBrk="1" latinLnBrk="0" hangingPunct="1">
+              <a:defRPr sz="1800" kern="1200">
+                <a:solidFill>
+                  <a:schemeClr val="tx1"/>
+                </a:solidFill>
+                <a:latin typeface="+mn-lt"/>
+                <a:ea typeface="+mn-ea"/>
+                <a:cs typeface="+mn-cs"/>
+              </a:defRPr>
+            </a:lvl6pPr>
+            <a:lvl7pPr marL="2743200" algn="l" defTabSz="457200" rtl="0" eaLnBrk="1" latinLnBrk="0" hangingPunct="1">
+              <a:defRPr sz="1800" kern="1200">
+                <a:solidFill>
+                  <a:schemeClr val="tx1"/>
+                </a:solidFill>
+                <a:latin typeface="+mn-lt"/>
+                <a:ea typeface="+mn-ea"/>
+                <a:cs typeface="+mn-cs"/>
+              </a:defRPr>
+            </a:lvl7pPr>
+            <a:lvl8pPr marL="3200400" algn="l" defTabSz="457200" rtl="0" eaLnBrk="1" latinLnBrk="0" hangingPunct="1">
+              <a:defRPr sz="1800" kern="1200">
+                <a:solidFill>
+                  <a:schemeClr val="tx1"/>
+                </a:solidFill>
+                <a:latin typeface="+mn-lt"/>
+                <a:ea typeface="+mn-ea"/>
+                <a:cs typeface="+mn-cs"/>
+              </a:defRPr>
+            </a:lvl8pPr>
+            <a:lvl9pPr marL="3657600" algn="l" defTabSz="457200" rtl="0" eaLnBrk="1" latinLnBrk="0" hangingPunct="1">
+              <a:defRPr sz="1800" kern="1200">
+                <a:solidFill>
+                  <a:schemeClr val="tx1"/>
+                </a:solidFill>
+                <a:latin typeface="+mn-lt"/>
+                <a:ea typeface="+mn-ea"/>
+                <a:cs typeface="+mn-cs"/>
+              </a:defRPr>
+            </a:lvl9pPr>
+          </a:lstStyle>
+          <a:p>
+            <a:fld id="{FFA66215-EA79-476C-9133-848521ABED31}" type="slidenum">
+              <a:rPr lang="pt-PT" smtClean="0"/>
+              <a:pPr/>
+              <a:t>19</a:t>
+            </a:fld>
+            <a:endParaRPr lang="pt-PT" dirty="0"/>
+          </a:p>
+        </p:txBody>
+      </p:sp>
     </p:spTree>
     <p:extLst>
       <p:ext uri="{BB962C8B-B14F-4D97-AF65-F5344CB8AC3E}">

--- a/presentation/OID2024/OSINT - Beware your data is out there.pptx
+++ b/presentation/OID2024/OSINT - Beware your data is out there.pptx
@@ -5843,6 +5843,36 @@
           </a:p>
         </p:txBody>
       </p:sp>
+      <p:pic>
+        <p:nvPicPr>
+          <p:cNvPr id="5" name="Picture 4">
+            <a:extLst>
+              <a:ext uri="{FF2B5EF4-FFF2-40B4-BE49-F238E27FC236}">
+                <a16:creationId xmlns:a16="http://schemas.microsoft.com/office/drawing/2014/main" id="{77388224-0D46-F48D-5B5B-B1A501115111}"/>
+              </a:ext>
+            </a:extLst>
+          </p:cNvPr>
+          <p:cNvPicPr>
+            <a:picLocks noChangeAspect="1"/>
+          </p:cNvPicPr>
+          <p:nvPr/>
+        </p:nvPicPr>
+        <p:blipFill>
+          <a:blip r:embed="rId2"/>
+          <a:stretch>
+            <a:fillRect/>
+          </a:stretch>
+        </p:blipFill>
+        <p:spPr>
+          <a:xfrm>
+            <a:off x="9562733" y="4228733"/>
+            <a:ext cx="2629267" cy="2629267"/>
+          </a:xfrm>
+          <a:prstGeom prst="rect">
+            <a:avLst/>
+          </a:prstGeom>
+        </p:spPr>
+      </p:pic>
     </p:spTree>
     <p:extLst>
       <p:ext uri="{BB962C8B-B14F-4D97-AF65-F5344CB8AC3E}">
@@ -11816,6 +11846,36 @@
           </a:p>
         </p:txBody>
       </p:sp>
+      <p:pic>
+        <p:nvPicPr>
+          <p:cNvPr id="6" name="Picture 5">
+            <a:extLst>
+              <a:ext uri="{FF2B5EF4-FFF2-40B4-BE49-F238E27FC236}">
+                <a16:creationId xmlns:a16="http://schemas.microsoft.com/office/drawing/2014/main" id="{C81E7945-8FCF-845B-6C11-BE83B5F0B82F}"/>
+              </a:ext>
+            </a:extLst>
+          </p:cNvPr>
+          <p:cNvPicPr>
+            <a:picLocks noChangeAspect="1"/>
+          </p:cNvPicPr>
+          <p:nvPr/>
+        </p:nvPicPr>
+        <p:blipFill>
+          <a:blip r:embed="rId2"/>
+          <a:stretch>
+            <a:fillRect/>
+          </a:stretch>
+        </p:blipFill>
+        <p:spPr>
+          <a:xfrm>
+            <a:off x="9562733" y="4228733"/>
+            <a:ext cx="2629267" cy="2629267"/>
+          </a:xfrm>
+          <a:prstGeom prst="rect">
+            <a:avLst/>
+          </a:prstGeom>
+        </p:spPr>
+      </p:pic>
     </p:spTree>
     <p:extLst>
       <p:ext uri="{BB962C8B-B14F-4D97-AF65-F5344CB8AC3E}">
